--- a/ddd/领域驱动设计-驱动.pptx
+++ b/ddd/领域驱动设计-驱动.pptx
@@ -21,14 +21,15 @@
     <p:sldId id="265" r:id="rId14"/>
     <p:sldId id="266" r:id="rId15"/>
     <p:sldId id="268" r:id="rId16"/>
-    <p:sldId id="270" r:id="rId17"/>
-    <p:sldId id="267" r:id="rId18"/>
+    <p:sldId id="267" r:id="rId17"/>
+    <p:sldId id="270" r:id="rId18"/>
     <p:sldId id="271" r:id="rId19"/>
+    <p:sldId id="281" r:id="rId20"/>
   </p:sldIdLst>
   <p:sldSz cx="12192000" cy="6858000"/>
   <p:notesSz cx="6858000" cy="9144000"/>
   <p:custDataLst>
-    <p:tags r:id="rId23"/>
+    <p:tags r:id="rId24"/>
   </p:custDataLst>
   <p:defaultTextStyle>
     <a:defPPr>
@@ -939,6 +940,61 @@
 </file>
 
 <file path=ppt/notesSlides/notesSlide8.xml><?xml version="1.0" encoding="utf-8"?>
+<p:notes xmlns:a="http://schemas.openxmlformats.org/drawingml/2006/main" xmlns:r="http://schemas.openxmlformats.org/officeDocument/2006/relationships" xmlns:p="http://schemas.openxmlformats.org/presentationml/2006/main">
+  <p:cSld>
+    <p:spTree>
+      <p:nvGrpSpPr>
+        <p:cNvPr id="1" name=""/>
+        <p:cNvGrpSpPr/>
+        <p:nvPr/>
+      </p:nvGrpSpPr>
+      <p:grpSpPr/>
+      <p:sp>
+        <p:nvSpPr>
+          <p:cNvPr id="2" name="幻灯片图像占位符 1"/>
+          <p:cNvSpPr/>
+          <p:nvPr>
+            <p:ph type="sldImg" idx="2"/>
+          </p:nvPr>
+        </p:nvSpPr>
+        <p:spPr/>
+      </p:sp>
+      <p:sp>
+        <p:nvSpPr>
+          <p:cNvPr id="3" name="文本占位符 2"/>
+          <p:cNvSpPr/>
+          <p:nvPr>
+            <p:ph type="body" idx="3"/>
+          </p:nvPr>
+        </p:nvSpPr>
+        <p:spPr/>
+        <p:txBody>
+          <a:bodyPr/>
+          <a:p>
+            <a:r>
+              <a:rPr lang="zh-CN" altLang="en-US"/>
+              <a:t>参考资料</a:t>
+            </a:r>
+            <a:r>
+              <a:rPr lang="en-US" altLang="zh-CN"/>
+              <a:t> https://time.geekbang.org/column/article/11207</a:t>
+            </a:r>
+            <a:endParaRPr lang="en-US" altLang="zh-CN"/>
+          </a:p>
+          <a:p>
+            <a:endParaRPr lang="en-US" altLang="zh-CN"/>
+          </a:p>
+        </p:txBody>
+      </p:sp>
+    </p:spTree>
+  </p:cSld>
+  <p:clrMapOvr>
+    <a:masterClrMapping/>
+  </p:clrMapOvr>
+</p:notes>
+</file>
+
+<file path=ppt/notesSlides/notesSlide9.xml><?xml version="1.0" encoding="utf-8"?>
 <p:notes xmlns:a="http://schemas.openxmlformats.org/drawingml/2006/main" xmlns:r="http://schemas.openxmlformats.org/officeDocument/2006/relationships" xmlns:p="http://schemas.openxmlformats.org/presentationml/2006/main">
   <p:cSld>
     <p:spTree>
@@ -4836,32 +4892,6 @@
       <p:grpSpPr/>
       <p:sp>
         <p:nvSpPr>
-          <p:cNvPr id="2" name="标题 1"/>
-          <p:cNvSpPr>
-            <a:spLocks noGrp="1"/>
-          </p:cNvSpPr>
-          <p:nvPr>
-            <p:ph type="title"/>
-          </p:nvPr>
-        </p:nvSpPr>
-        <p:spPr/>
-        <p:txBody>
-          <a:bodyPr/>
-          <a:p>
-            <a:r>
-              <a:rPr lang="zh-CN" altLang="en-US"/>
-              <a:t>事件</a:t>
-            </a:r>
-            <a:r>
-              <a:rPr lang="zh-CN" altLang="en-US"/>
-              <a:t>风暴</a:t>
-            </a:r>
-            <a:endParaRPr lang="zh-CN" altLang="en-US"/>
-          </a:p>
-        </p:txBody>
-      </p:sp>
-      <p:sp>
-        <p:nvSpPr>
           <p:cNvPr id="3" name="内容占位符 2"/>
           <p:cNvSpPr>
             <a:spLocks noGrp="1"/>
@@ -4870,10 +4900,537 @@
             <p:ph idx="1"/>
           </p:nvPr>
         </p:nvSpPr>
-        <p:spPr/>
-        <p:txBody>
-          <a:bodyPr/>
-          <a:p>
+        <p:spPr>
+          <a:xfrm>
+            <a:off x="611505" y="932815"/>
+            <a:ext cx="10968990" cy="5330825"/>
+          </a:xfrm>
+        </p:spPr>
+        <p:txBody>
+          <a:bodyPr>
+            <a:normAutofit fontScale="80000"/>
+          </a:bodyPr>
+          <a:p>
+            <a:r>
+              <a:rPr lang="zh-CN" altLang="en-US" sz="1400"/>
+              <a:t>用户（</a:t>
+            </a:r>
+            <a:r>
+              <a:rPr lang="en-US" altLang="zh-CN" sz="1400"/>
+              <a:t>User</a:t>
+            </a:r>
+            <a:r>
+              <a:rPr lang="zh-CN" altLang="en-US" sz="1400"/>
+              <a:t>）：有权限在系统中进行信息浏览和编辑的人或者其他系统。</a:t>
+            </a:r>
+            <a:endParaRPr lang="zh-CN" altLang="en-US" sz="1400"/>
+          </a:p>
+          <a:p>
+            <a:r>
+              <a:rPr lang="zh-CN" altLang="en-US" sz="1400"/>
+              <a:t>商户管理员（</a:t>
+            </a:r>
+            <a:r>
+              <a:rPr lang="en-US" altLang="zh-CN" sz="1400"/>
+              <a:t>Merchant</a:t>
+            </a:r>
+            <a:r>
+              <a:rPr lang="zh-CN" altLang="en-US" sz="1400"/>
+              <a:t>）：用户的一种，指酒店拥有者或者其雇佣的拥有系统权限人员，或者是持有酒店合法销售资源的其他</a:t>
+            </a:r>
+            <a:r>
+              <a:rPr lang="zh-CN" altLang="en-US" sz="1400"/>
+              <a:t>第三方。</a:t>
+            </a:r>
+            <a:endParaRPr lang="zh-CN" altLang="en-US" sz="1400"/>
+          </a:p>
+          <a:p>
+            <a:r>
+              <a:rPr lang="zh-CN" altLang="en-US" sz="1400"/>
+              <a:t>运营人员（</a:t>
+            </a:r>
+            <a:r>
+              <a:rPr lang="en-US" altLang="zh-CN" sz="1400"/>
+              <a:t>Operator</a:t>
+            </a:r>
+            <a:r>
+              <a:rPr lang="zh-CN" altLang="en-US" sz="1400"/>
+              <a:t>）：</a:t>
+            </a:r>
+            <a:r>
+              <a:rPr lang="zh-CN" altLang="en-US" sz="1400">
+                <a:sym typeface="+mn-ea"/>
+              </a:rPr>
+              <a:t>用户的一种，</a:t>
+            </a:r>
+            <a:r>
+              <a:rPr lang="zh-CN" altLang="en-US" sz="1400"/>
+              <a:t>平台雇佣的，保障信息合理性、</a:t>
+            </a:r>
+            <a:r>
+              <a:rPr lang="zh-CN" altLang="en-US" sz="1400">
+                <a:sym typeface="+mn-ea"/>
+              </a:rPr>
+              <a:t>准确性的人员。</a:t>
+            </a:r>
+            <a:endParaRPr lang="zh-CN" altLang="en-US" sz="1400">
+              <a:sym typeface="+mn-ea"/>
+            </a:endParaRPr>
+          </a:p>
+          <a:p>
+            <a:r>
+              <a:rPr lang="zh-CN" altLang="en-US" sz="1400">
+                <a:sym typeface="+mn-ea"/>
+              </a:rPr>
+              <a:t>系统策略（</a:t>
+            </a:r>
+            <a:r>
+              <a:rPr lang="en-US" altLang="zh-CN" sz="1400">
+                <a:sym typeface="+mn-ea"/>
+              </a:rPr>
+              <a:t>System Policy</a:t>
+            </a:r>
+            <a:r>
+              <a:rPr lang="zh-CN" altLang="en-US" sz="1400">
+                <a:sym typeface="+mn-ea"/>
+              </a:rPr>
+              <a:t>）：用户的一种，系统本身定义的一些定时、联动策略，或对信息进行处理，这里统称为系统策略。</a:t>
+            </a:r>
+            <a:endParaRPr lang="zh-CN" altLang="en-US" sz="1400">
+              <a:sym typeface="+mn-ea"/>
+            </a:endParaRPr>
+          </a:p>
+          <a:p>
+            <a:pPr marL="0" indent="0">
+              <a:buNone/>
+            </a:pPr>
+            <a:endParaRPr lang="zh-CN" altLang="en-US" sz="1400"/>
+          </a:p>
+          <a:p>
+            <a:r>
+              <a:rPr lang="zh-CN" altLang="en-US" sz="1400"/>
+              <a:t>酒店（</a:t>
+            </a:r>
+            <a:r>
+              <a:rPr lang="en-US" altLang="zh-CN" sz="1400"/>
+              <a:t>Hotel</a:t>
+            </a:r>
+            <a:r>
+              <a:rPr lang="zh-CN" altLang="en-US" sz="1400"/>
+              <a:t>）：现实中真实存在的一家酒店，包含酒店名称、地理位置等</a:t>
+            </a:r>
+            <a:r>
+              <a:rPr lang="zh-CN" altLang="en-US" sz="1400" i="1"/>
+              <a:t>基础信息</a:t>
+            </a:r>
+            <a:r>
+              <a:rPr lang="zh-CN" altLang="en-US" sz="1400"/>
+              <a:t>。</a:t>
+            </a:r>
+            <a:endParaRPr lang="zh-CN" altLang="en-US" sz="1400"/>
+          </a:p>
+          <a:p>
+            <a:r>
+              <a:rPr lang="zh-CN" altLang="en-US" sz="1400"/>
+              <a:t>子酒（</a:t>
+            </a:r>
+            <a:r>
+              <a:rPr lang="en-US" altLang="zh-CN" sz="1400"/>
+              <a:t>SubHotel</a:t>
+            </a:r>
+            <a:r>
+              <a:rPr lang="zh-CN" altLang="en-US" sz="1400"/>
+              <a:t>）：酒店关联的不同</a:t>
+            </a:r>
+            <a:r>
+              <a:rPr lang="zh-CN" altLang="en-US" sz="1400" i="1"/>
+              <a:t>供应商</a:t>
+            </a:r>
+            <a:r>
+              <a:rPr lang="zh-CN" altLang="en-US" sz="1400"/>
+              <a:t>的销售资源，包含联络人、签约方式等</a:t>
+            </a:r>
+            <a:r>
+              <a:rPr lang="zh-CN" altLang="en-US" sz="1400"/>
+              <a:t>信息。</a:t>
+            </a:r>
+            <a:r>
+              <a:rPr lang="en-US" altLang="zh-CN" sz="1400"/>
+              <a:t> </a:t>
+            </a:r>
+            <a:endParaRPr lang="zh-CN" altLang="en-US" sz="1400"/>
+          </a:p>
+          <a:p>
+            <a:r>
+              <a:rPr lang="zh-CN" altLang="en-US" sz="1400"/>
+              <a:t>加盟（</a:t>
+            </a:r>
+            <a:r>
+              <a:rPr lang="en-US" altLang="zh-CN" sz="1400"/>
+              <a:t>Join</a:t>
+            </a:r>
+            <a:r>
+              <a:rPr lang="zh-CN" altLang="en-US" sz="1400"/>
+              <a:t>）：商户管理员通过提供酒店的</a:t>
+            </a:r>
+            <a:r>
+              <a:rPr lang="zh-CN" altLang="en-US" sz="1400" i="1"/>
+              <a:t>营业执照</a:t>
+            </a:r>
+            <a:r>
+              <a:rPr lang="zh-CN" altLang="en-US" sz="1400"/>
+              <a:t>、</a:t>
+            </a:r>
+            <a:r>
+              <a:rPr lang="zh-CN" altLang="en-US" sz="1400" i="1"/>
+              <a:t>基础信息</a:t>
+            </a:r>
+            <a:r>
+              <a:rPr lang="zh-CN" altLang="en-US" sz="1400"/>
+              <a:t>等资料可以提交</a:t>
+            </a:r>
+            <a:r>
+              <a:rPr lang="zh-CN" altLang="en-US" sz="1400" i="1"/>
+              <a:t>加盟申请</a:t>
+            </a:r>
+            <a:r>
+              <a:rPr lang="zh-CN" altLang="en-US" sz="1400"/>
+              <a:t>、通过</a:t>
+            </a:r>
+            <a:r>
+              <a:rPr lang="zh-CN" altLang="en-US" sz="1400" i="1"/>
+              <a:t>信息审核</a:t>
+            </a:r>
+            <a:r>
+              <a:rPr lang="zh-CN" altLang="en-US" sz="1400"/>
+              <a:t>后系统</a:t>
+            </a:r>
+            <a:r>
+              <a:rPr lang="zh-CN" altLang="en-US" sz="1400"/>
+              <a:t>会创建相应</a:t>
+            </a:r>
+            <a:r>
+              <a:rPr lang="zh-CN" altLang="en-US" sz="1400"/>
+              <a:t>的子酒。</a:t>
+            </a:r>
+            <a:endParaRPr lang="zh-CN" altLang="en-US" sz="1400"/>
+          </a:p>
+          <a:p>
+            <a:r>
+              <a:rPr lang="zh-CN" altLang="en-US" sz="1400"/>
+              <a:t>浏览酒店信息（</a:t>
+            </a:r>
+            <a:r>
+              <a:rPr lang="en-US" altLang="zh-CN" sz="1400"/>
+              <a:t>Read Hotel</a:t>
+            </a:r>
+            <a:r>
+              <a:rPr lang="zh-CN" altLang="en-US" sz="1400"/>
+              <a:t>）：用户可以浏览所有酒店的</a:t>
+            </a:r>
+            <a:r>
+              <a:rPr lang="zh-CN" altLang="en-US" sz="1400"/>
+              <a:t>信息。</a:t>
+            </a:r>
+            <a:endParaRPr lang="zh-CN" altLang="en-US" sz="1400"/>
+          </a:p>
+          <a:p>
+            <a:r>
+              <a:rPr lang="zh-CN" altLang="en-US" sz="1400"/>
+              <a:t>浏览子酒信息（</a:t>
+            </a:r>
+            <a:r>
+              <a:rPr lang="en-US" altLang="zh-CN" sz="1400"/>
+              <a:t>Read SubHotel)</a:t>
+            </a:r>
+            <a:r>
+              <a:rPr lang="zh-CN" altLang="en-US" sz="1400"/>
+              <a:t>：用户可以浏览归属其管辖的子酒</a:t>
+            </a:r>
+            <a:r>
+              <a:rPr lang="zh-CN" altLang="en-US" sz="1400"/>
+              <a:t>信息。</a:t>
+            </a:r>
+            <a:endParaRPr lang="zh-CN" altLang="en-US" sz="1400"/>
+          </a:p>
+          <a:p>
+            <a:pPr marL="0" indent="0">
+              <a:buNone/>
+            </a:pPr>
+            <a:endParaRPr lang="zh-CN" altLang="en-US" sz="1400">
+              <a:sym typeface="+mn-ea"/>
+            </a:endParaRPr>
+          </a:p>
+          <a:p>
+            <a:r>
+              <a:rPr lang="zh-CN" altLang="en-US" sz="1400">
+                <a:sym typeface="+mn-ea"/>
+              </a:rPr>
+              <a:t>匹配系统（Match System）：根据酒店名称、经纬度等信息，确认酒店和子酒是否存在关联关系的</a:t>
+            </a:r>
+            <a:r>
+              <a:rPr lang="zh-CN" altLang="en-US" sz="1400">
+                <a:sym typeface="+mn-ea"/>
+              </a:rPr>
+              <a:t>系统。</a:t>
+            </a:r>
+            <a:endParaRPr lang="zh-CN" altLang="en-US" sz="1400">
+              <a:sym typeface="+mn-ea"/>
+            </a:endParaRPr>
+          </a:p>
+          <a:p>
+            <a:r>
+              <a:rPr lang="zh-CN" altLang="en-US" sz="1400">
+                <a:sym typeface="+mn-ea"/>
+              </a:rPr>
+              <a:t>投票</a:t>
+            </a:r>
+            <a:r>
+              <a:rPr lang="zh-CN" altLang="en-US" sz="1400">
+                <a:sym typeface="+mn-ea"/>
+              </a:rPr>
+              <a:t>规则（</a:t>
+            </a:r>
+            <a:r>
+              <a:rPr lang="en-US" altLang="zh-CN" sz="1400">
+                <a:sym typeface="+mn-ea"/>
+              </a:rPr>
+              <a:t>Voting Rule</a:t>
+            </a:r>
+            <a:r>
+              <a:rPr lang="zh-CN" altLang="en-US" sz="1400">
+                <a:sym typeface="+mn-ea"/>
+              </a:rPr>
+              <a:t>）：系统策略的一种，当酒店关联的子酒信息发生变更后，系统可以根据规则筛选出最优质的信息，更新到酒店上。</a:t>
+            </a:r>
+            <a:endParaRPr lang="zh-CN" altLang="en-US" sz="1400">
+              <a:sym typeface="+mn-ea"/>
+            </a:endParaRPr>
+          </a:p>
+          <a:p>
+            <a:r>
+              <a:rPr lang="zh-CN" altLang="en-US" sz="1400">
+                <a:sym typeface="+mn-ea"/>
+              </a:rPr>
+              <a:t>注册酒店（</a:t>
+            </a:r>
+            <a:r>
+              <a:rPr lang="en-US" altLang="zh-CN" sz="1400">
+                <a:sym typeface="+mn-ea"/>
+              </a:rPr>
+              <a:t>Generate Hotel</a:t>
+            </a:r>
+            <a:r>
+              <a:rPr lang="zh-CN" altLang="en-US" sz="1400">
+                <a:sym typeface="+mn-ea"/>
+              </a:rPr>
+              <a:t>）：如果一家</a:t>
+            </a:r>
+            <a:r>
+              <a:rPr lang="zh-CN" altLang="en-US" sz="1400" i="1">
+                <a:sym typeface="+mn-ea"/>
+              </a:rPr>
+              <a:t>可定</a:t>
+            </a:r>
+            <a:r>
+              <a:rPr lang="zh-CN" altLang="en-US" sz="1400">
+                <a:sym typeface="+mn-ea"/>
+              </a:rPr>
+              <a:t>子酒在系统中没有对应的酒店，匹配系统</a:t>
+            </a:r>
+            <a:r>
+              <a:rPr lang="zh-CN" altLang="en-US" sz="1400">
+                <a:sym typeface="+mn-ea"/>
+              </a:rPr>
+              <a:t>会根据该子酒的信息创建一个酒店。</a:t>
+            </a:r>
+            <a:endParaRPr lang="zh-CN" altLang="en-US" sz="1400">
+              <a:sym typeface="+mn-ea"/>
+            </a:endParaRPr>
+          </a:p>
+          <a:p>
+            <a:r>
+              <a:rPr lang="zh-CN" altLang="en-US" sz="1400">
+                <a:sym typeface="+mn-ea"/>
+              </a:rPr>
+              <a:t>更正酒店信息（</a:t>
+            </a:r>
+            <a:r>
+              <a:rPr lang="en-US" altLang="zh-CN" sz="1400">
+                <a:sym typeface="+mn-ea"/>
+              </a:rPr>
+              <a:t>Correct Hotel Info</a:t>
+            </a:r>
+            <a:r>
+              <a:rPr lang="zh-CN" altLang="en-US" sz="1400">
+                <a:sym typeface="+mn-ea"/>
+              </a:rPr>
+              <a:t>）：当子酒店信息变动时，投票策略会从当前的母酒关联的所有子酒信息筛选最优质的</a:t>
+            </a:r>
+            <a:r>
+              <a:rPr lang="zh-CN" altLang="en-US" sz="1400">
+                <a:sym typeface="+mn-ea"/>
+              </a:rPr>
+              <a:t>信息，</a:t>
+            </a:r>
+            <a:r>
+              <a:rPr lang="zh-CN" altLang="en-US" sz="1400">
+                <a:sym typeface="+mn-ea"/>
+              </a:rPr>
+              <a:t>用来更正</a:t>
+            </a:r>
+            <a:r>
+              <a:rPr lang="zh-CN" altLang="en-US" sz="1400">
+                <a:sym typeface="+mn-ea"/>
+              </a:rPr>
+              <a:t>该酒店信息。</a:t>
+            </a:r>
+            <a:endParaRPr lang="zh-CN" altLang="en-US" sz="1400"/>
+          </a:p>
+          <a:p>
+            <a:r>
+              <a:rPr lang="zh-CN" altLang="en-US" sz="1400"/>
+              <a:t>申请子酒信息更正</a:t>
+            </a:r>
+            <a:r>
+              <a:rPr lang="en-US" altLang="zh-CN" sz="1400"/>
+              <a:t> (Apply for SubHotel Info Correction)</a:t>
+            </a:r>
+            <a:r>
+              <a:rPr lang="zh-CN" altLang="en-US" sz="1400"/>
+              <a:t>：</a:t>
+            </a:r>
+            <a:r>
+              <a:rPr lang="zh-CN" altLang="en-US" sz="1400">
+                <a:sym typeface="+mn-ea"/>
+              </a:rPr>
+              <a:t>商户管理员发现</a:t>
+            </a:r>
+            <a:r>
+              <a:rPr lang="zh-CN" altLang="en-US" sz="1400">
+                <a:sym typeface="+mn-ea"/>
+              </a:rPr>
+              <a:t>所属子酒信息不正确时，可以提供最新的子酒</a:t>
+            </a:r>
+            <a:r>
+              <a:rPr lang="zh-CN" altLang="en-US" sz="1400"/>
+              <a:t>信息，提交子酒</a:t>
+            </a:r>
+            <a:r>
+              <a:rPr lang="zh-CN" altLang="en-US" sz="1400"/>
+              <a:t>信息更正申请。</a:t>
+            </a:r>
+            <a:endParaRPr lang="zh-CN" altLang="en-US" sz="1400"/>
+          </a:p>
+          <a:p>
+            <a:pPr marL="0" indent="0">
+              <a:buNone/>
+            </a:pPr>
+            <a:endParaRPr lang="zh-CN" altLang="en-US" sz="1400"/>
+          </a:p>
+          <a:p>
+            <a:r>
+              <a:rPr lang="zh-CN" altLang="en-US" sz="1400"/>
+              <a:t>审核单（</a:t>
+            </a:r>
+            <a:r>
+              <a:rPr lang="en-US" altLang="zh-CN" sz="1400"/>
+              <a:t>Audit Form</a:t>
+            </a:r>
+            <a:r>
+              <a:rPr lang="zh-CN" altLang="en-US" sz="1400"/>
+              <a:t>）：</a:t>
+            </a:r>
+            <a:r>
+              <a:rPr lang="en-US" altLang="zh-CN" sz="1400"/>
+              <a:t> </a:t>
+            </a:r>
+            <a:r>
+              <a:rPr lang="zh-CN" altLang="en-US" sz="1400"/>
+              <a:t>记录需要系统或者人工进行复核的变更</a:t>
+            </a:r>
+            <a:r>
+              <a:rPr lang="zh-CN" altLang="en-US" sz="1400"/>
+              <a:t>操作信息。</a:t>
+            </a:r>
+            <a:endParaRPr lang="zh-CN" altLang="en-US" sz="1400"/>
+          </a:p>
+          <a:p>
+            <a:r>
+              <a:rPr lang="zh-CN" altLang="en-US" sz="1400">
+                <a:sym typeface="+mn-ea"/>
+              </a:rPr>
+              <a:t>信息审核（</a:t>
+            </a:r>
+            <a:r>
+              <a:rPr lang="en-US" altLang="zh-CN" sz="1400">
+                <a:sym typeface="+mn-ea"/>
+              </a:rPr>
+              <a:t>Audit</a:t>
+            </a:r>
+            <a:r>
+              <a:rPr lang="zh-CN" altLang="en-US" sz="1400">
+                <a:sym typeface="+mn-ea"/>
+              </a:rPr>
+              <a:t>）：系统自动审核策略无法辨别的</a:t>
+            </a:r>
+            <a:r>
+              <a:rPr lang="zh-CN" altLang="en-US" sz="1400" i="1">
+                <a:sym typeface="+mn-ea"/>
+              </a:rPr>
+              <a:t>审核单</a:t>
+            </a:r>
+            <a:r>
+              <a:rPr lang="zh-CN" altLang="en-US" sz="1400">
+                <a:sym typeface="+mn-ea"/>
+              </a:rPr>
+              <a:t>，需要运营人员对审核单信息进行确认，如果没问题就同意，有问题就驳回。</a:t>
+            </a:r>
+            <a:endParaRPr lang="zh-CN" altLang="en-US" sz="1400"/>
+          </a:p>
+          <a:p>
+            <a:pPr marL="0" indent="0">
+              <a:buNone/>
+            </a:pPr>
+            <a:endParaRPr lang="zh-CN" altLang="en-US" sz="1400"/>
+          </a:p>
+          <a:p>
+            <a:endParaRPr lang="en-US" altLang="zh-CN" sz="1400"/>
+          </a:p>
+          <a:p>
+            <a:endParaRPr lang="zh-CN" altLang="en-US" sz="1400"/>
+          </a:p>
+        </p:txBody>
+      </p:sp>
+      <p:sp>
+        <p:nvSpPr>
+          <p:cNvPr id="4" name="文本框 3"/>
+          <p:cNvSpPr txBox="1"/>
+          <p:nvPr/>
+        </p:nvSpPr>
+        <p:spPr>
+          <a:xfrm>
+            <a:off x="845185" y="377825"/>
+            <a:ext cx="3981450" cy="368300"/>
+          </a:xfrm>
+          <a:prstGeom prst="rect">
+            <a:avLst/>
+          </a:prstGeom>
+          <a:noFill/>
+        </p:spPr>
+        <p:txBody>
+          <a:bodyPr wrap="square" rtlCol="0">
+            <a:spAutoFit/>
+          </a:bodyPr>
+          <a:p>
+            <a:r>
+              <a:rPr lang="en-US" altLang="zh-CN"/>
+              <a:t>OTA</a:t>
+            </a:r>
+            <a:r>
+              <a:rPr lang="zh-CN" altLang="en-US"/>
+              <a:t>平台后台信息系统的通用语言示例</a:t>
+            </a:r>
             <a:endParaRPr lang="zh-CN" altLang="en-US"/>
           </a:p>
         </p:txBody>
@@ -4898,6 +5455,32 @@
       <p:grpSpPr/>
       <p:sp>
         <p:nvSpPr>
+          <p:cNvPr id="2" name="标题 1"/>
+          <p:cNvSpPr>
+            <a:spLocks noGrp="1"/>
+          </p:cNvSpPr>
+          <p:nvPr>
+            <p:ph type="title"/>
+          </p:nvPr>
+        </p:nvSpPr>
+        <p:spPr/>
+        <p:txBody>
+          <a:bodyPr/>
+          <a:p>
+            <a:r>
+              <a:rPr lang="zh-CN" altLang="en-US"/>
+              <a:t>识别限界上下</a:t>
+            </a:r>
+            <a:r>
+              <a:rPr lang="zh-CN" altLang="en-US"/>
+              <a:t>文</a:t>
+            </a:r>
+            <a:endParaRPr lang="zh-CN" altLang="en-US"/>
+          </a:p>
+        </p:txBody>
+      </p:sp>
+      <p:sp>
+        <p:nvSpPr>
           <p:cNvPr id="3" name="内容占位符 2"/>
           <p:cNvSpPr>
             <a:spLocks noGrp="1"/>
@@ -4906,663 +5489,58 @@
             <p:ph idx="1"/>
           </p:nvPr>
         </p:nvSpPr>
-        <p:spPr>
-          <a:xfrm>
-            <a:off x="611505" y="932815"/>
-            <a:ext cx="10968990" cy="5330825"/>
-          </a:xfrm>
-        </p:spPr>
-        <p:txBody>
-          <a:bodyPr>
-            <a:normAutofit fontScale="60000"/>
-          </a:bodyPr>
-          <a:p>
-            <a:r>
-              <a:rPr lang="zh-CN" altLang="en-US" sz="1400"/>
-              <a:t>用户（</a:t>
-            </a:r>
-            <a:r>
-              <a:rPr lang="en-US" altLang="zh-CN" sz="1400"/>
-              <a:t>User</a:t>
-            </a:r>
-            <a:r>
-              <a:rPr lang="zh-CN" altLang="en-US" sz="1400"/>
-              <a:t>）：有权限在系统中进行信息浏览和编辑的人或者其他系统。</a:t>
-            </a:r>
-            <a:endParaRPr lang="zh-CN" altLang="en-US" sz="1400"/>
-          </a:p>
-          <a:p>
-            <a:r>
-              <a:rPr lang="zh-CN" altLang="en-US" sz="1400"/>
-              <a:t>商户管理员（</a:t>
-            </a:r>
-            <a:r>
-              <a:rPr lang="en-US" altLang="zh-CN" sz="1400"/>
-              <a:t>Merchant</a:t>
-            </a:r>
-            <a:r>
-              <a:rPr lang="zh-CN" altLang="en-US" sz="1400"/>
-              <a:t>）：用户的一种，指酒店拥有者或者其雇佣的拥有系统权限人员，或者是持有酒店合法销售资源的其他</a:t>
-            </a:r>
-            <a:r>
-              <a:rPr lang="zh-CN" altLang="en-US" sz="1400"/>
-              <a:t>第三方。</a:t>
-            </a:r>
-            <a:endParaRPr lang="zh-CN" altLang="en-US" sz="1400"/>
-          </a:p>
-          <a:p>
-            <a:r>
-              <a:rPr lang="zh-CN" altLang="en-US" sz="1400"/>
-              <a:t>业务人员（</a:t>
-            </a:r>
-            <a:r>
-              <a:rPr lang="en-US" altLang="zh-CN" sz="1400"/>
-              <a:t>Business Developer</a:t>
-            </a:r>
-            <a:r>
-              <a:rPr lang="zh-CN" altLang="en-US" sz="1400"/>
-              <a:t>）：</a:t>
-            </a:r>
-            <a:r>
-              <a:rPr lang="zh-CN" altLang="en-US" sz="1400">
-                <a:sym typeface="+mn-ea"/>
-              </a:rPr>
-              <a:t>用户的一种，</a:t>
-            </a:r>
-            <a:r>
-              <a:rPr lang="zh-CN" altLang="en-US" sz="1400"/>
-              <a:t>平台雇佣的，在一线与酒店对接的人员。</a:t>
-            </a:r>
-            <a:endParaRPr lang="zh-CN" altLang="en-US" sz="1400"/>
-          </a:p>
-          <a:p>
-            <a:r>
-              <a:rPr lang="zh-CN" altLang="en-US" sz="1400"/>
-              <a:t>运营人员（</a:t>
-            </a:r>
-            <a:r>
-              <a:rPr lang="en-US" altLang="zh-CN" sz="1400"/>
-              <a:t>Operator</a:t>
-            </a:r>
-            <a:r>
-              <a:rPr lang="zh-CN" altLang="en-US" sz="1400"/>
-              <a:t>）：</a:t>
-            </a:r>
-            <a:r>
-              <a:rPr lang="zh-CN" altLang="en-US" sz="1400">
-                <a:sym typeface="+mn-ea"/>
-              </a:rPr>
-              <a:t>用户的一种，</a:t>
-            </a:r>
-            <a:r>
-              <a:rPr lang="zh-CN" altLang="en-US" sz="1400"/>
-              <a:t>平台雇佣的，保障信息合理性、</a:t>
-            </a:r>
-            <a:r>
-              <a:rPr lang="zh-CN" altLang="en-US" sz="1400">
-                <a:sym typeface="+mn-ea"/>
-              </a:rPr>
-              <a:t>准确性的人员。</a:t>
-            </a:r>
-            <a:endParaRPr lang="zh-CN" altLang="en-US" sz="1400">
-              <a:sym typeface="+mn-ea"/>
-            </a:endParaRPr>
-          </a:p>
-          <a:p>
-            <a:r>
-              <a:rPr lang="zh-CN" altLang="en-US" sz="1400">
-                <a:sym typeface="+mn-ea"/>
-              </a:rPr>
-              <a:t>系统策略（</a:t>
-            </a:r>
-            <a:r>
-              <a:rPr lang="en-US" altLang="zh-CN" sz="1400">
-                <a:sym typeface="+mn-ea"/>
-              </a:rPr>
-              <a:t>System Policy</a:t>
-            </a:r>
-            <a:r>
-              <a:rPr lang="zh-CN" altLang="en-US" sz="1400">
-                <a:sym typeface="+mn-ea"/>
-              </a:rPr>
-              <a:t>）：用户的一种，系统本身定义的一些定时、联动策略，或对信息进行处理，这里统称为系统策略。</a:t>
-            </a:r>
-            <a:endParaRPr lang="zh-CN" altLang="en-US" sz="1400">
-              <a:sym typeface="+mn-ea"/>
-            </a:endParaRPr>
-          </a:p>
-          <a:p>
-            <a:pPr marL="0" indent="0">
-              <a:buNone/>
-            </a:pPr>
-            <a:endParaRPr lang="zh-CN" altLang="en-US" sz="1400"/>
-          </a:p>
-          <a:p>
-            <a:r>
-              <a:rPr lang="zh-CN" altLang="en-US" sz="1400"/>
-              <a:t>酒店（</a:t>
-            </a:r>
-            <a:r>
-              <a:rPr lang="en-US" altLang="zh-CN" sz="1400"/>
-              <a:t>Hotel</a:t>
-            </a:r>
-            <a:r>
-              <a:rPr lang="zh-CN" altLang="en-US" sz="1400"/>
-              <a:t>）：现实中真实存在的一家酒店，包含酒店名称、地理位置等</a:t>
-            </a:r>
-            <a:r>
-              <a:rPr lang="zh-CN" altLang="en-US" sz="1400" i="1"/>
-              <a:t>基础信息</a:t>
-            </a:r>
-            <a:r>
-              <a:rPr lang="zh-CN" altLang="en-US" sz="1400"/>
-              <a:t>。</a:t>
-            </a:r>
-            <a:endParaRPr lang="zh-CN" altLang="en-US" sz="1400"/>
-          </a:p>
-          <a:p>
-            <a:r>
-              <a:rPr lang="zh-CN" altLang="en-US" sz="1400"/>
-              <a:t>子酒（</a:t>
-            </a:r>
-            <a:r>
-              <a:rPr lang="en-US" altLang="zh-CN" sz="1400"/>
-              <a:t>SubHotel</a:t>
-            </a:r>
-            <a:r>
-              <a:rPr lang="zh-CN" altLang="en-US" sz="1400"/>
-              <a:t>）：酒店关联的不同</a:t>
-            </a:r>
-            <a:r>
-              <a:rPr lang="zh-CN" altLang="en-US" sz="1400" i="1"/>
-              <a:t>供应商</a:t>
-            </a:r>
-            <a:r>
-              <a:rPr lang="zh-CN" altLang="en-US" sz="1400"/>
-              <a:t>的销售资源，包含联络人、签约方式等</a:t>
-            </a:r>
-            <a:r>
-              <a:rPr lang="zh-CN" altLang="en-US" sz="1400"/>
-              <a:t>信息。</a:t>
-            </a:r>
-            <a:r>
-              <a:rPr lang="en-US" altLang="zh-CN" sz="1400"/>
-              <a:t> </a:t>
-            </a:r>
-            <a:endParaRPr lang="zh-CN" altLang="en-US" sz="1400"/>
-          </a:p>
-          <a:p>
-            <a:r>
-              <a:rPr lang="zh-CN" altLang="en-US" sz="1400"/>
-              <a:t>加盟（</a:t>
-            </a:r>
-            <a:r>
-              <a:rPr lang="en-US" altLang="zh-CN" sz="1400"/>
-              <a:t>Join</a:t>
-            </a:r>
-            <a:r>
-              <a:rPr lang="zh-CN" altLang="en-US" sz="1400"/>
-              <a:t>）：商户管理员、业务人员通过提供酒店的</a:t>
-            </a:r>
-            <a:r>
-              <a:rPr lang="zh-CN" altLang="en-US" sz="1400" i="1"/>
-              <a:t>营业执照</a:t>
-            </a:r>
-            <a:r>
-              <a:rPr lang="zh-CN" altLang="en-US" sz="1400"/>
-              <a:t>、</a:t>
-            </a:r>
-            <a:r>
-              <a:rPr lang="zh-CN" altLang="en-US" sz="1400" i="1"/>
-              <a:t>基础信息</a:t>
-            </a:r>
-            <a:r>
-              <a:rPr lang="zh-CN" altLang="en-US" sz="1400"/>
-              <a:t>等资料可以提交</a:t>
-            </a:r>
-            <a:r>
-              <a:rPr lang="zh-CN" altLang="en-US" sz="1400" i="1"/>
-              <a:t>加盟申请</a:t>
-            </a:r>
-            <a:r>
-              <a:rPr lang="zh-CN" altLang="en-US" sz="1400"/>
-              <a:t>、通过</a:t>
-            </a:r>
-            <a:r>
-              <a:rPr lang="zh-CN" altLang="en-US" sz="1400" i="1"/>
-              <a:t>信息审核</a:t>
-            </a:r>
-            <a:r>
-              <a:rPr lang="zh-CN" altLang="en-US" sz="1400"/>
-              <a:t>后系统</a:t>
-            </a:r>
-            <a:r>
-              <a:rPr lang="zh-CN" altLang="en-US" sz="1400"/>
-              <a:t>会创建相应</a:t>
-            </a:r>
-            <a:r>
-              <a:rPr lang="zh-CN" altLang="en-US" sz="1400"/>
-              <a:t>的子酒。</a:t>
-            </a:r>
-            <a:endParaRPr lang="zh-CN" altLang="en-US" sz="1400"/>
-          </a:p>
-          <a:p>
-            <a:r>
-              <a:rPr lang="zh-CN" altLang="en-US" sz="1400"/>
-              <a:t>浏览酒店信息（</a:t>
-            </a:r>
-            <a:r>
-              <a:rPr lang="en-US" altLang="zh-CN" sz="1400"/>
-              <a:t>Read Hotel</a:t>
-            </a:r>
-            <a:r>
-              <a:rPr lang="zh-CN" altLang="en-US" sz="1400"/>
-              <a:t>）：用户可以浏览所有酒店的</a:t>
-            </a:r>
-            <a:r>
-              <a:rPr lang="zh-CN" altLang="en-US" sz="1400"/>
-              <a:t>信息。</a:t>
-            </a:r>
-            <a:endParaRPr lang="zh-CN" altLang="en-US" sz="1400"/>
-          </a:p>
-          <a:p>
-            <a:r>
-              <a:rPr lang="zh-CN" altLang="en-US" sz="1400"/>
-              <a:t>浏览子酒信息（</a:t>
-            </a:r>
-            <a:r>
-              <a:rPr lang="en-US" altLang="zh-CN" sz="1400"/>
-              <a:t>Read SubHotel)</a:t>
-            </a:r>
-            <a:r>
-              <a:rPr lang="zh-CN" altLang="en-US" sz="1400"/>
-              <a:t>：用户可以浏览归属其管辖的子酒</a:t>
-            </a:r>
-            <a:r>
-              <a:rPr lang="zh-CN" altLang="en-US" sz="1400"/>
-              <a:t>信息。</a:t>
-            </a:r>
-            <a:endParaRPr lang="zh-CN" altLang="en-US" sz="1400"/>
-          </a:p>
-          <a:p>
-            <a:pPr marL="0" indent="0">
-              <a:buNone/>
-            </a:pPr>
-            <a:endParaRPr lang="zh-CN" altLang="en-US" sz="1400"/>
-          </a:p>
-          <a:p>
-            <a:r>
-              <a:rPr lang="zh-CN" altLang="en-US" sz="1400">
-                <a:sym typeface="+mn-ea"/>
-              </a:rPr>
-              <a:t>注册酒店（</a:t>
-            </a:r>
-            <a:r>
-              <a:rPr lang="en-US" altLang="zh-CN" sz="1400">
-                <a:sym typeface="+mn-ea"/>
-              </a:rPr>
-              <a:t>Register Hotel</a:t>
-            </a:r>
-            <a:r>
-              <a:rPr lang="zh-CN" altLang="en-US" sz="1400">
-                <a:sym typeface="+mn-ea"/>
-              </a:rPr>
-              <a:t>）：如果一家</a:t>
-            </a:r>
-            <a:r>
-              <a:rPr lang="zh-CN" altLang="en-US" sz="1400" i="1">
-                <a:sym typeface="+mn-ea"/>
-              </a:rPr>
-              <a:t>可定</a:t>
-            </a:r>
-            <a:r>
-              <a:rPr lang="zh-CN" altLang="en-US" sz="1400">
-                <a:sym typeface="+mn-ea"/>
-              </a:rPr>
-              <a:t>子酒在系统中没有对应的酒店，运营人员、系统策略可以根据该子酒的信息创建一个酒店。</a:t>
-            </a:r>
-            <a:endParaRPr lang="zh-CN" altLang="en-US" sz="1400">
-              <a:sym typeface="+mn-ea"/>
-            </a:endParaRPr>
-          </a:p>
-          <a:p>
-            <a:r>
-              <a:rPr lang="zh-CN" altLang="en-US" sz="1400">
-                <a:sym typeface="+mn-ea"/>
-              </a:rPr>
-              <a:t>更正酒店信息（</a:t>
-            </a:r>
-            <a:r>
-              <a:rPr lang="en-US" altLang="zh-CN" sz="1400">
-                <a:sym typeface="+mn-ea"/>
-              </a:rPr>
-              <a:t>Correct Hotel Info</a:t>
-            </a:r>
-            <a:r>
-              <a:rPr lang="zh-CN" altLang="en-US" sz="1400">
-                <a:sym typeface="+mn-ea"/>
-              </a:rPr>
-              <a:t>）：运营人员发现任何酒店信息不准确时，可以更正</a:t>
-            </a:r>
-            <a:r>
-              <a:rPr lang="zh-CN" altLang="en-US" sz="1400">
-                <a:sym typeface="+mn-ea"/>
-              </a:rPr>
-              <a:t>该酒店信息。</a:t>
-            </a:r>
-            <a:endParaRPr lang="zh-CN" altLang="en-US" sz="1400"/>
-          </a:p>
-          <a:p>
-            <a:r>
-              <a:rPr lang="zh-CN" altLang="en-US" sz="1400"/>
-              <a:t>申请子酒信息更正</a:t>
-            </a:r>
-            <a:r>
-              <a:rPr lang="en-US" altLang="zh-CN" sz="1400"/>
-              <a:t> (Apply for SubHotel Info Correction)</a:t>
-            </a:r>
-            <a:r>
-              <a:rPr lang="zh-CN" altLang="en-US" sz="1400"/>
-              <a:t>：</a:t>
-            </a:r>
-            <a:r>
-              <a:rPr lang="zh-CN" altLang="en-US" sz="1400">
-                <a:sym typeface="+mn-ea"/>
-              </a:rPr>
-              <a:t>商户管理员、业务人员发现</a:t>
-            </a:r>
-            <a:r>
-              <a:rPr lang="zh-CN" altLang="en-US" sz="1400">
-                <a:sym typeface="+mn-ea"/>
-              </a:rPr>
-              <a:t>所属子酒信息不正确时，可以提供最新的子酒</a:t>
-            </a:r>
-            <a:r>
-              <a:rPr lang="zh-CN" altLang="en-US" sz="1400"/>
-              <a:t>信息，提交子酒</a:t>
-            </a:r>
-            <a:r>
-              <a:rPr lang="zh-CN" altLang="en-US" sz="1400"/>
-              <a:t>信息更正申请。</a:t>
-            </a:r>
-            <a:endParaRPr lang="zh-CN" altLang="en-US" sz="1400"/>
-          </a:p>
-          <a:p>
-            <a:r>
-              <a:rPr lang="zh-CN" altLang="en-US" sz="1400">
-                <a:sym typeface="+mn-ea"/>
-              </a:rPr>
-              <a:t>投票策略（</a:t>
-            </a:r>
-            <a:r>
-              <a:rPr lang="en-US" altLang="zh-CN" sz="1400">
-                <a:sym typeface="+mn-ea"/>
-              </a:rPr>
-              <a:t>Voting Policy</a:t>
-            </a:r>
-            <a:r>
-              <a:rPr lang="zh-CN" altLang="en-US" sz="1400">
-                <a:sym typeface="+mn-ea"/>
-              </a:rPr>
-              <a:t>）：系统策略的</a:t>
-            </a:r>
-            <a:r>
-              <a:rPr lang="zh-CN" altLang="en-US" sz="1400">
-                <a:sym typeface="+mn-ea"/>
-              </a:rPr>
-              <a:t>一种，当酒店关联的子酒信息发生变更后，系统可以根据规则筛选出最优质的信息，更新到酒店上。</a:t>
-            </a:r>
-            <a:endParaRPr lang="zh-CN" altLang="en-US" sz="1400">
-              <a:sym typeface="+mn-ea"/>
-            </a:endParaRPr>
-          </a:p>
-          <a:p>
-            <a:pPr marL="0" indent="0">
-              <a:buNone/>
-            </a:pPr>
-            <a:endParaRPr lang="zh-CN" altLang="en-US" sz="1400">
-              <a:sym typeface="+mn-ea"/>
-            </a:endParaRPr>
-          </a:p>
-          <a:p>
-            <a:r>
-              <a:rPr lang="zh-CN" altLang="en-US" sz="1400">
-                <a:sym typeface="+mn-ea"/>
-              </a:rPr>
-              <a:t>敏感词</a:t>
-            </a:r>
-            <a:r>
-              <a:rPr lang="en-US" altLang="zh-CN" sz="1400">
-                <a:sym typeface="+mn-ea"/>
-              </a:rPr>
-              <a:t>(Sensitive Word )</a:t>
-            </a:r>
-            <a:r>
-              <a:rPr lang="zh-CN" altLang="en-US" sz="1400">
-                <a:sym typeface="+mn-ea"/>
-              </a:rPr>
-              <a:t>：</a:t>
-            </a:r>
-            <a:r>
-              <a:rPr lang="zh-CN" altLang="en-US" sz="1400">
-                <a:sym typeface="+mn-ea"/>
-              </a:rPr>
-              <a:t>由于酒店的信息是外露的，其名称、简介等信息中不能包含</a:t>
-            </a:r>
-            <a:r>
-              <a:rPr lang="en-US" altLang="zh-CN" sz="1400">
-                <a:sym typeface="+mn-ea"/>
-              </a:rPr>
-              <a:t>“</a:t>
-            </a:r>
-            <a:r>
-              <a:rPr lang="zh-CN" altLang="en-US" sz="1400">
-                <a:sym typeface="+mn-ea"/>
-              </a:rPr>
-              <a:t>五星</a:t>
-            </a:r>
-            <a:r>
-              <a:rPr lang="en-US" altLang="zh-CN" sz="1400">
-                <a:sym typeface="+mn-ea"/>
-              </a:rPr>
-              <a:t>”</a:t>
-            </a:r>
-            <a:r>
-              <a:rPr lang="zh-CN" altLang="en-US" sz="1400">
-                <a:sym typeface="+mn-ea"/>
-              </a:rPr>
-              <a:t>、</a:t>
-            </a:r>
-            <a:r>
-              <a:rPr lang="en-US" altLang="zh-CN" sz="1400">
-                <a:sym typeface="+mn-ea"/>
-              </a:rPr>
-              <a:t>“</a:t>
-            </a:r>
-            <a:r>
-              <a:rPr lang="zh-CN" altLang="en-US" sz="1400">
-                <a:sym typeface="+mn-ea"/>
-              </a:rPr>
-              <a:t>三星</a:t>
-            </a:r>
-            <a:r>
-              <a:rPr lang="en-US" altLang="zh-CN" sz="1400">
-                <a:sym typeface="+mn-ea"/>
-              </a:rPr>
-              <a:t>”</a:t>
-            </a:r>
-            <a:r>
-              <a:rPr lang="zh-CN" altLang="en-US" sz="1400">
-                <a:sym typeface="+mn-ea"/>
-              </a:rPr>
-              <a:t>等误导信息，敏感词列表详见</a:t>
-            </a:r>
-            <a:r>
-              <a:rPr lang="en-US" altLang="zh-CN" sz="1400">
-                <a:sym typeface="+mn-ea"/>
-              </a:rPr>
-              <a:t>XXX</a:t>
-            </a:r>
-            <a:r>
-              <a:rPr lang="zh-CN" altLang="en-US" sz="1400">
-                <a:sym typeface="+mn-ea"/>
-              </a:rPr>
-              <a:t>。</a:t>
-            </a:r>
-            <a:endParaRPr lang="zh-CN" altLang="en-US" sz="1400"/>
-          </a:p>
-          <a:p>
-            <a:r>
-              <a:rPr lang="zh-CN" altLang="en-US" sz="1400">
-                <a:sym typeface="+mn-ea"/>
-              </a:rPr>
-              <a:t>子酒信息系统自动审核策略（</a:t>
-            </a:r>
-            <a:r>
-              <a:rPr lang="en-US" altLang="zh-CN" sz="1400">
-                <a:sym typeface="+mn-ea"/>
-              </a:rPr>
-              <a:t>SubHotel Correction </a:t>
-            </a:r>
-            <a:r>
-              <a:rPr lang="en-US" altLang="zh-CN" sz="1400">
-                <a:sym typeface="+mn-ea"/>
-              </a:rPr>
-              <a:t>Audit Policy</a:t>
-            </a:r>
-            <a:r>
-              <a:rPr lang="zh-CN" altLang="en-US" sz="1400">
-                <a:sym typeface="+mn-ea"/>
-              </a:rPr>
-              <a:t>）：如果子酒更正信息不包含敏感词，系统会</a:t>
-            </a:r>
-            <a:r>
-              <a:rPr lang="zh-CN" altLang="en-US" sz="1400">
-                <a:sym typeface="+mn-ea"/>
-              </a:rPr>
-              <a:t>同意该申请，否则该审核单需要有</a:t>
-            </a:r>
-            <a:r>
-              <a:rPr lang="zh-CN" altLang="en-US" sz="1400" i="1">
-                <a:sym typeface="+mn-ea"/>
-              </a:rPr>
-              <a:t>人工信息审核</a:t>
-            </a:r>
-            <a:r>
-              <a:rPr lang="zh-CN" altLang="en-US" sz="1400">
-                <a:sym typeface="+mn-ea"/>
-              </a:rPr>
-              <a:t>。</a:t>
-            </a:r>
-            <a:endParaRPr lang="zh-CN" altLang="en-US" sz="1400">
-              <a:sym typeface="+mn-ea"/>
-            </a:endParaRPr>
-          </a:p>
-          <a:p>
-            <a:pPr marL="0" indent="0">
-              <a:buNone/>
-            </a:pPr>
-            <a:endParaRPr lang="zh-CN" altLang="en-US" sz="1400"/>
-          </a:p>
-          <a:p>
-            <a:r>
-              <a:rPr lang="zh-CN" altLang="en-US" sz="1400"/>
-              <a:t>审核单（</a:t>
-            </a:r>
-            <a:r>
-              <a:rPr lang="en-US" altLang="zh-CN" sz="1400"/>
-              <a:t>Audit Form</a:t>
-            </a:r>
-            <a:r>
-              <a:rPr lang="zh-CN" altLang="en-US" sz="1400"/>
-              <a:t>）：</a:t>
-            </a:r>
-            <a:r>
-              <a:rPr lang="en-US" altLang="zh-CN" sz="1400"/>
-              <a:t> </a:t>
-            </a:r>
-            <a:r>
-              <a:rPr lang="zh-CN" altLang="en-US" sz="1400"/>
-              <a:t>记录需要系统或者人工进行复核的变更</a:t>
-            </a:r>
-            <a:r>
-              <a:rPr lang="zh-CN" altLang="en-US" sz="1400"/>
-              <a:t>操作信息。</a:t>
-            </a:r>
-            <a:endParaRPr lang="zh-CN" altLang="en-US" sz="1400"/>
-          </a:p>
-          <a:p>
-            <a:r>
-              <a:rPr lang="zh-CN" altLang="en-US" sz="1400">
-                <a:sym typeface="+mn-ea"/>
-              </a:rPr>
-              <a:t>人工信息审核（</a:t>
-            </a:r>
-            <a:r>
-              <a:rPr lang="en-US" altLang="zh-CN" sz="1400">
-                <a:sym typeface="+mn-ea"/>
-              </a:rPr>
-              <a:t>Munual Audit</a:t>
-            </a:r>
-            <a:r>
-              <a:rPr lang="zh-CN" altLang="en-US" sz="1400">
-                <a:sym typeface="+mn-ea"/>
-              </a:rPr>
-              <a:t>）：系统自动审核策略无法辨别的</a:t>
-            </a:r>
-            <a:r>
-              <a:rPr lang="zh-CN" altLang="en-US" sz="1400" i="1">
-                <a:sym typeface="+mn-ea"/>
-              </a:rPr>
-              <a:t>审核单</a:t>
-            </a:r>
-            <a:r>
-              <a:rPr lang="zh-CN" altLang="en-US" sz="1400">
-                <a:sym typeface="+mn-ea"/>
-              </a:rPr>
-              <a:t>，需要运营人员对审核单信息进行确认，如果没问题就同意，有问题就驳回。</a:t>
-            </a:r>
-            <a:endParaRPr lang="zh-CN" altLang="en-US" sz="1400"/>
-          </a:p>
-          <a:p>
-            <a:endParaRPr lang="zh-CN" altLang="en-US" sz="1400"/>
-          </a:p>
-          <a:p>
-            <a:endParaRPr lang="en-US" altLang="zh-CN" sz="1400"/>
-          </a:p>
-          <a:p>
-            <a:endParaRPr lang="zh-CN" altLang="en-US" sz="1400"/>
-          </a:p>
-        </p:txBody>
-      </p:sp>
-      <p:sp>
-        <p:nvSpPr>
-          <p:cNvPr id="4" name="文本框 3"/>
-          <p:cNvSpPr txBox="1"/>
-          <p:nvPr/>
-        </p:nvSpPr>
-        <p:spPr>
-          <a:xfrm>
-            <a:off x="838835" y="384175"/>
-            <a:ext cx="3981450" cy="368300"/>
-          </a:xfrm>
-          <a:prstGeom prst="rect">
-            <a:avLst/>
-          </a:prstGeom>
-          <a:noFill/>
-        </p:spPr>
-        <p:txBody>
-          <a:bodyPr wrap="square" rtlCol="0">
-            <a:spAutoFit/>
-          </a:bodyPr>
-          <a:p>
+        <p:spPr/>
+        <p:txBody>
+          <a:bodyPr/>
+          <a:p>
+            <a:r>
+              <a:rPr lang="zh-CN" altLang="en-US"/>
+              <a:t>问题空间</a:t>
+            </a:r>
             <a:r>
               <a:rPr lang="en-US" altLang="zh-CN"/>
-              <a:t>OTA</a:t>
-            </a:r>
-            <a:r>
-              <a:rPr lang="zh-CN" altLang="en-US"/>
-              <a:t>平台后台信息系统的通用语言示例</a:t>
+              <a:t>-&gt; </a:t>
+            </a:r>
+            <a:r>
+              <a:rPr lang="zh-CN" altLang="en-US"/>
+              <a:t>解决方案</a:t>
+            </a:r>
+            <a:r>
+              <a:rPr lang="zh-CN" altLang="en-US"/>
+              <a:t>空间</a:t>
+            </a:r>
+            <a:endParaRPr lang="zh-CN" altLang="en-US"/>
+          </a:p>
+          <a:p>
+            <a:r>
+              <a:rPr lang="zh-CN" altLang="en-US"/>
+              <a:t>按语义分类</a:t>
+            </a:r>
+            <a:r>
+              <a:rPr lang="zh-CN" altLang="en-US"/>
+              <a:t>聚合</a:t>
+            </a:r>
+            <a:endParaRPr lang="zh-CN" altLang="en-US"/>
+          </a:p>
+          <a:p>
+            <a:endParaRPr lang="zh-CN" altLang="en-US"/>
+          </a:p>
+          <a:p>
+            <a:r>
+              <a:rPr lang="zh-CN" altLang="en-US"/>
+              <a:t>上下文名称</a:t>
+            </a:r>
+            <a:r>
+              <a:rPr lang="en-US" altLang="zh-CN"/>
+              <a:t>-</a:t>
+            </a:r>
+            <a:r>
+              <a:rPr lang="zh-CN" altLang="en-US"/>
+              <a:t>通用语言的</a:t>
+            </a:r>
+            <a:r>
+              <a:rPr lang="zh-CN" altLang="en-US"/>
+              <a:t>一部分</a:t>
             </a:r>
             <a:endParaRPr lang="zh-CN" altLang="en-US"/>
           </a:p>
@@ -5869,6 +5847,79 @@
           </a:p>
         </p:txBody>
       </p:sp>
+    </p:spTree>
+  </p:cSld>
+  <p:clrMapOvr>
+    <a:masterClrMapping/>
+  </p:clrMapOvr>
+</p:sld>
+</file>
+
+<file path=ppt/slides/slide17.xml><?xml version="1.0" encoding="utf-8"?>
+<p:sld xmlns:a="http://schemas.openxmlformats.org/drawingml/2006/main" xmlns:r="http://schemas.openxmlformats.org/officeDocument/2006/relationships" xmlns:p="http://schemas.openxmlformats.org/presentationml/2006/main">
+  <p:cSld>
+    <p:spTree>
+      <p:nvGrpSpPr>
+        <p:cNvPr id="1" name=""/>
+        <p:cNvGrpSpPr/>
+        <p:nvPr/>
+      </p:nvGrpSpPr>
+      <p:grpSpPr/>
+      <p:sp>
+        <p:nvSpPr>
+          <p:cNvPr id="2" name="标题 1"/>
+          <p:cNvSpPr>
+            <a:spLocks noGrp="1"/>
+          </p:cNvSpPr>
+          <p:nvPr>
+            <p:ph type="title"/>
+          </p:nvPr>
+        </p:nvSpPr>
+        <p:spPr/>
+        <p:txBody>
+          <a:bodyPr/>
+          <a:p>
+            <a:r>
+              <a:rPr lang="zh-CN" altLang="en-US"/>
+              <a:t>六边形</a:t>
+            </a:r>
+            <a:r>
+              <a:rPr lang="zh-CN" altLang="en-US"/>
+              <a:t>架构</a:t>
+            </a:r>
+            <a:endParaRPr lang="zh-CN" altLang="en-US"/>
+          </a:p>
+        </p:txBody>
+      </p:sp>
+      <p:pic>
+        <p:nvPicPr>
+          <p:cNvPr id="4" name="内容占位符 3" descr="六边形架构_jpeg"/>
+          <p:cNvPicPr>
+            <a:picLocks noChangeAspect="1"/>
+          </p:cNvPicPr>
+          <p:nvPr>
+            <p:ph idx="1"/>
+            <p:custDataLst>
+              <p:tags r:id="rId1"/>
+            </p:custDataLst>
+          </p:nvPr>
+        </p:nvPicPr>
+        <p:blipFill>
+          <a:blip r:embed="rId2"/>
+          <a:stretch>
+            <a:fillRect/>
+          </a:stretch>
+        </p:blipFill>
+        <p:spPr>
+          <a:xfrm>
+            <a:off x="3437255" y="1872615"/>
+            <a:ext cx="5317490" cy="4351655"/>
+          </a:xfrm>
+          <a:prstGeom prst="rect">
+            <a:avLst/>
+          </a:prstGeom>
+        </p:spPr>
+      </p:pic>
     </p:spTree>
   </p:cSld>
   <p:clrMapOvr>
@@ -7573,6 +7624,12 @@
 </file>
 
 <file path=ppt/tags/tag2.xml><?xml version="1.0" encoding="utf-8"?>
+<p:tagLst xmlns:p="http://schemas.openxmlformats.org/presentationml/2006/main">
+  <p:tag name="KSO_WM_UNIT_PLACING_PICTURE_USER_VIEWPORT" val="{&quot;height&quot;:6853,&quot;width&quot;:8374}"/>
+</p:tagLst>
+</file>
+
+<file path=ppt/tags/tag3.xml><?xml version="1.0" encoding="utf-8"?>
 <p:tagLst xmlns:p="http://schemas.openxmlformats.org/presentationml/2006/main">
   <p:tag name="COMMONDATA" val="eyJoZGlkIjoiYmI1ZWMzZGQwODg4MWMwMjdiYjYzZWY2NjBhMDk0NzAifQ=="/>
 </p:tagLst>

--- a/ddd/领域驱动设计-驱动.pptx
+++ b/ddd/领域驱动设计-驱动.pptx
@@ -6178,7 +6178,7 @@
             </a:r>
             <a:r>
               <a:rPr lang="en-US" altLang="zh-CN"/>
-              <a:t> CRUD Boy/Girl</a:t>
+              <a:t> CRUDer</a:t>
             </a:r>
             <a:endParaRPr lang="en-US" altLang="zh-CN"/>
           </a:p>
